--- a/J_MotionConnect/BajtaHack.pptx
+++ b/J_MotionConnect/BajtaHack.pptx
@@ -1,6 +1,6 @@
 
 <file path=ppt/presentation.xml><?xml version="1.0" encoding="utf-8"?>
-<p:presentation xmlns:a="http://schemas.openxmlformats.org/drawingml/2006/main" xmlns:r="http://schemas.openxmlformats.org/officeDocument/2006/relationships" xmlns:mc="http://schemas.openxmlformats.org/markup-compatibility/2006" xmlns:mv="urn:schemas-microsoft-com:mac:vml" xmlns:p="http://schemas.openxmlformats.org/presentationml/2006/main" xmlns:c="http://schemas.openxmlformats.org/drawingml/2006/chart" xmlns:dgm="http://schemas.openxmlformats.org/drawingml/2006/diagram" xmlns:o="urn:schemas-microsoft-com:office:office" xmlns:v="urn:schemas-microsoft-com:vml" xmlns:pvml="urn:schemas-microsoft-com:office:powerpoint" xmlns:com="http://schemas.openxmlformats.org/drawingml/2006/compatibility" xmlns:p14="http://schemas.microsoft.com/office/powerpoint/2010/main" xmlns:p15="http://schemas.microsoft.com/office/powerpoint/2012/main" autoCompressPictures="0" embedTrueTypeFonts="1" strictFirstAndLastChars="0" saveSubsetFonts="1">
+<p:presentation xmlns:a="http://schemas.openxmlformats.org/drawingml/2006/main" xmlns:r="http://schemas.openxmlformats.org/officeDocument/2006/relationships" xmlns:mc="http://schemas.openxmlformats.org/markup-compatibility/2006" xmlns:mv="urn:schemas-microsoft-com:mac:vml" xmlns:p="http://schemas.openxmlformats.org/presentationml/2006/main" xmlns:c="http://schemas.openxmlformats.org/drawingml/2006/chart" xmlns:dgm="http://schemas.openxmlformats.org/drawingml/2006/diagram" xmlns:o="urn:schemas-microsoft-com:office:office" xmlns:v="urn:schemas-microsoft-com:vml" xmlns:pvml="urn:schemas-microsoft-com:office:powerpoint" xmlns:com="http://schemas.openxmlformats.org/drawingml/2006/compatibility" xmlns:p14="http://schemas.microsoft.com/office/powerpoint/2010/main" xmlns:p15="http://schemas.microsoft.com/office/powerpoint/2012/main" autoCompressPictures="0" strictFirstAndLastChars="0" saveSubsetFonts="1">
   <p:sldMasterIdLst>
     <p:sldMasterId id="2147483659" r:id="rId3"/>
   </p:sldMasterIdLst>
@@ -23,20 +23,6 @@
   </p:sldIdLst>
   <p:sldSz cy="5143500" cx="9144000"/>
   <p:notesSz cx="6858000" cy="9144000"/>
-  <p:embeddedFontLst>
-    <p:embeddedFont>
-      <p:font typeface="Nunito"/>
-      <p:regular r:id="rId17"/>
-      <p:bold r:id="rId18"/>
-      <p:italic r:id="rId19"/>
-      <p:boldItalic r:id="rId20"/>
-    </p:embeddedFont>
-    <p:embeddedFont>
-      <p:font typeface="Maven Pro"/>
-      <p:regular r:id="rId21"/>
-      <p:bold r:id="rId22"/>
-    </p:embeddedFont>
-  </p:embeddedFontLst>
   <p:defaultTextStyle>
     <a:defPPr lvl="0" marR="0" rtl="0" algn="l">
       <a:lnSpc>
@@ -331,7 +317,7 @@
               <a:spcBef>
                 <a:spcPts val="0"/>
               </a:spcBef>
-              <a:buSzPct val="100000"/>
+              <a:buSzPts val="1100"/>
               <a:buChar char="●"/>
               <a:defRPr sz="1100"/>
             </a:lvl1pPr>
@@ -339,7 +325,7 @@
               <a:spcBef>
                 <a:spcPts val="0"/>
               </a:spcBef>
-              <a:buSzPct val="100000"/>
+              <a:buSzPts val="1100"/>
               <a:buChar char="○"/>
               <a:defRPr sz="1100"/>
             </a:lvl2pPr>
@@ -347,7 +333,7 @@
               <a:spcBef>
                 <a:spcPts val="0"/>
               </a:spcBef>
-              <a:buSzPct val="100000"/>
+              <a:buSzPts val="1100"/>
               <a:buChar char="■"/>
               <a:defRPr sz="1100"/>
             </a:lvl3pPr>
@@ -355,7 +341,7 @@
               <a:spcBef>
                 <a:spcPts val="0"/>
               </a:spcBef>
-              <a:buSzPct val="100000"/>
+              <a:buSzPts val="1100"/>
               <a:buChar char="●"/>
               <a:defRPr sz="1100"/>
             </a:lvl4pPr>
@@ -363,7 +349,7 @@
               <a:spcBef>
                 <a:spcPts val="0"/>
               </a:spcBef>
-              <a:buSzPct val="100000"/>
+              <a:buSzPts val="1100"/>
               <a:buChar char="○"/>
               <a:defRPr sz="1100"/>
             </a:lvl5pPr>
@@ -371,7 +357,7 @@
               <a:spcBef>
                 <a:spcPts val="0"/>
               </a:spcBef>
-              <a:buSzPct val="100000"/>
+              <a:buSzPts val="1100"/>
               <a:buChar char="■"/>
               <a:defRPr sz="1100"/>
             </a:lvl6pPr>
@@ -379,7 +365,7 @@
               <a:spcBef>
                 <a:spcPts val="0"/>
               </a:spcBef>
-              <a:buSzPct val="100000"/>
+              <a:buSzPts val="1100"/>
               <a:buChar char="●"/>
               <a:defRPr sz="1100"/>
             </a:lvl7pPr>
@@ -387,7 +373,7 @@
               <a:spcBef>
                 <a:spcPts val="0"/>
               </a:spcBef>
-              <a:buSzPct val="100000"/>
+              <a:buSzPts val="1100"/>
               <a:buChar char="○"/>
               <a:defRPr sz="1100"/>
             </a:lvl8pPr>
@@ -395,7 +381,7 @@
               <a:spcBef>
                 <a:spcPts val="0"/>
               </a:spcBef>
-              <a:buSzPct val="100000"/>
+              <a:buSzPts val="1100"/>
               <a:buChar char="■"/>
               <a:defRPr sz="1100"/>
             </a:lvl9pPr>
@@ -2954,7 +2940,8 @@
               <a:buClr>
                 <a:schemeClr val="lt1"/>
               </a:buClr>
-              <a:buSzPct val="100000"/>
+              <a:buSzPts val="3600"/>
+              <a:buNone/>
               <a:defRPr sz="3600">
                 <a:solidFill>
                   <a:schemeClr val="lt1"/>
@@ -2968,7 +2955,8 @@
               <a:buClr>
                 <a:schemeClr val="lt1"/>
               </a:buClr>
-              <a:buSzPct val="100000"/>
+              <a:buSzPts val="3600"/>
+              <a:buNone/>
               <a:defRPr sz="3600">
                 <a:solidFill>
                   <a:schemeClr val="lt1"/>
@@ -2982,7 +2970,8 @@
               <a:buClr>
                 <a:schemeClr val="lt1"/>
               </a:buClr>
-              <a:buSzPct val="100000"/>
+              <a:buSzPts val="3600"/>
+              <a:buNone/>
               <a:defRPr sz="3600">
                 <a:solidFill>
                   <a:schemeClr val="lt1"/>
@@ -2996,7 +2985,8 @@
               <a:buClr>
                 <a:schemeClr val="lt1"/>
               </a:buClr>
-              <a:buSzPct val="100000"/>
+              <a:buSzPts val="3600"/>
+              <a:buNone/>
               <a:defRPr sz="3600">
                 <a:solidFill>
                   <a:schemeClr val="lt1"/>
@@ -3010,7 +3000,8 @@
               <a:buClr>
                 <a:schemeClr val="lt1"/>
               </a:buClr>
-              <a:buSzPct val="100000"/>
+              <a:buSzPts val="3600"/>
+              <a:buNone/>
               <a:defRPr sz="3600">
                 <a:solidFill>
                   <a:schemeClr val="lt1"/>
@@ -3024,7 +3015,8 @@
               <a:buClr>
                 <a:schemeClr val="lt1"/>
               </a:buClr>
-              <a:buSzPct val="100000"/>
+              <a:buSzPts val="3600"/>
+              <a:buNone/>
               <a:defRPr sz="3600">
                 <a:solidFill>
                   <a:schemeClr val="lt1"/>
@@ -3038,7 +3030,8 @@
               <a:buClr>
                 <a:schemeClr val="lt1"/>
               </a:buClr>
-              <a:buSzPct val="100000"/>
+              <a:buSzPts val="3600"/>
+              <a:buNone/>
               <a:defRPr sz="3600">
                 <a:solidFill>
                   <a:schemeClr val="lt1"/>
@@ -3052,7 +3045,8 @@
               <a:buClr>
                 <a:schemeClr val="lt1"/>
               </a:buClr>
-              <a:buSzPct val="100000"/>
+              <a:buSzPts val="3600"/>
+              <a:buNone/>
               <a:defRPr sz="3600">
                 <a:solidFill>
                   <a:schemeClr val="lt1"/>
@@ -3066,7 +3060,8 @@
               <a:buClr>
                 <a:schemeClr val="lt1"/>
               </a:buClr>
-              <a:buSzPct val="100000"/>
+              <a:buSzPts val="3600"/>
+              <a:buNone/>
               <a:defRPr sz="3600">
                 <a:solidFill>
                   <a:schemeClr val="lt1"/>
@@ -3110,7 +3105,7 @@
               <a:buClr>
                 <a:schemeClr val="lt1"/>
               </a:buClr>
-              <a:buSzPct val="100000"/>
+              <a:buSzPts val="1600"/>
               <a:buNone/>
               <a:defRPr sz="1600">
                 <a:solidFill>
@@ -3131,7 +3126,7 @@
               <a:buClr>
                 <a:schemeClr val="lt1"/>
               </a:buClr>
-              <a:buSzPct val="100000"/>
+              <a:buSzPts val="1600"/>
               <a:buNone/>
               <a:defRPr sz="1600">
                 <a:solidFill>
@@ -3152,7 +3147,7 @@
               <a:buClr>
                 <a:schemeClr val="lt1"/>
               </a:buClr>
-              <a:buSzPct val="100000"/>
+              <a:buSzPts val="1600"/>
               <a:buNone/>
               <a:defRPr sz="1600">
                 <a:solidFill>
@@ -3173,7 +3168,7 @@
               <a:buClr>
                 <a:schemeClr val="lt1"/>
               </a:buClr>
-              <a:buSzPct val="100000"/>
+              <a:buSzPts val="1600"/>
               <a:buNone/>
               <a:defRPr sz="1600">
                 <a:solidFill>
@@ -3194,7 +3189,7 @@
               <a:buClr>
                 <a:schemeClr val="lt1"/>
               </a:buClr>
-              <a:buSzPct val="100000"/>
+              <a:buSzPts val="1600"/>
               <a:buNone/>
               <a:defRPr sz="1600">
                 <a:solidFill>
@@ -3215,7 +3210,7 @@
               <a:buClr>
                 <a:schemeClr val="lt1"/>
               </a:buClr>
-              <a:buSzPct val="100000"/>
+              <a:buSzPts val="1600"/>
               <a:buNone/>
               <a:defRPr sz="1600">
                 <a:solidFill>
@@ -3236,7 +3231,7 @@
               <a:buClr>
                 <a:schemeClr val="lt1"/>
               </a:buClr>
-              <a:buSzPct val="100000"/>
+              <a:buSzPts val="1600"/>
               <a:buNone/>
               <a:defRPr sz="1600">
                 <a:solidFill>
@@ -3257,7 +3252,7 @@
               <a:buClr>
                 <a:schemeClr val="lt1"/>
               </a:buClr>
-              <a:buSzPct val="100000"/>
+              <a:buSzPts val="1600"/>
               <a:buNone/>
               <a:defRPr sz="1600">
                 <a:solidFill>
@@ -3278,7 +3273,7 @@
               <a:buClr>
                 <a:schemeClr val="lt1"/>
               </a:buClr>
-              <a:buSzPct val="100000"/>
+              <a:buSzPts val="1600"/>
               <a:buNone/>
               <a:defRPr sz="1600">
                 <a:solidFill>
@@ -8279,7 +8274,8 @@
               <a:buClr>
                 <a:schemeClr val="lt1"/>
               </a:buClr>
-              <a:buSzPct val="100000"/>
+              <a:buSzPts val="8000"/>
+              <a:buNone/>
               <a:defRPr sz="8000">
                 <a:solidFill>
                   <a:schemeClr val="lt1"/>
@@ -8293,7 +8289,8 @@
               <a:buClr>
                 <a:schemeClr val="lt1"/>
               </a:buClr>
-              <a:buSzPct val="100000"/>
+              <a:buSzPts val="8000"/>
+              <a:buNone/>
               <a:defRPr sz="8000">
                 <a:solidFill>
                   <a:schemeClr val="lt1"/>
@@ -8307,7 +8304,8 @@
               <a:buClr>
                 <a:schemeClr val="lt1"/>
               </a:buClr>
-              <a:buSzPct val="100000"/>
+              <a:buSzPts val="8000"/>
+              <a:buNone/>
               <a:defRPr sz="8000">
                 <a:solidFill>
                   <a:schemeClr val="lt1"/>
@@ -8321,7 +8319,8 @@
               <a:buClr>
                 <a:schemeClr val="lt1"/>
               </a:buClr>
-              <a:buSzPct val="100000"/>
+              <a:buSzPts val="8000"/>
+              <a:buNone/>
               <a:defRPr sz="8000">
                 <a:solidFill>
                   <a:schemeClr val="lt1"/>
@@ -8335,7 +8334,8 @@
               <a:buClr>
                 <a:schemeClr val="lt1"/>
               </a:buClr>
-              <a:buSzPct val="100000"/>
+              <a:buSzPts val="8000"/>
+              <a:buNone/>
               <a:defRPr sz="8000">
                 <a:solidFill>
                   <a:schemeClr val="lt1"/>
@@ -8349,7 +8349,8 @@
               <a:buClr>
                 <a:schemeClr val="lt1"/>
               </a:buClr>
-              <a:buSzPct val="100000"/>
+              <a:buSzPts val="8000"/>
+              <a:buNone/>
               <a:defRPr sz="8000">
                 <a:solidFill>
                   <a:schemeClr val="lt1"/>
@@ -8363,7 +8364,8 @@
               <a:buClr>
                 <a:schemeClr val="lt1"/>
               </a:buClr>
-              <a:buSzPct val="100000"/>
+              <a:buSzPts val="8000"/>
+              <a:buNone/>
               <a:defRPr sz="8000">
                 <a:solidFill>
                   <a:schemeClr val="lt1"/>
@@ -8377,7 +8379,8 @@
               <a:buClr>
                 <a:schemeClr val="lt1"/>
               </a:buClr>
-              <a:buSzPct val="100000"/>
+              <a:buSzPts val="8000"/>
+              <a:buNone/>
               <a:defRPr sz="8000">
                 <a:solidFill>
                   <a:schemeClr val="lt1"/>
@@ -8391,7 +8394,8 @@
               <a:buClr>
                 <a:schemeClr val="lt1"/>
               </a:buClr>
-              <a:buSzPct val="100000"/>
+              <a:buSzPts val="8000"/>
+              <a:buNone/>
               <a:defRPr sz="8000">
                 <a:solidFill>
                   <a:schemeClr val="lt1"/>
@@ -8429,6 +8433,8 @@
               <a:buClr>
                 <a:schemeClr val="lt1"/>
               </a:buClr>
+              <a:buSzPts val="1300"/>
+              <a:buChar char="●"/>
               <a:defRPr>
                 <a:solidFill>
                   <a:schemeClr val="lt1"/>
@@ -8442,6 +8448,8 @@
               <a:buClr>
                 <a:schemeClr val="lt1"/>
               </a:buClr>
+              <a:buSzPts val="1100"/>
+              <a:buChar char="○"/>
               <a:defRPr>
                 <a:solidFill>
                   <a:schemeClr val="lt1"/>
@@ -8455,6 +8463,8 @@
               <a:buClr>
                 <a:schemeClr val="lt1"/>
               </a:buClr>
+              <a:buSzPts val="1100"/>
+              <a:buChar char="■"/>
               <a:defRPr>
                 <a:solidFill>
                   <a:schemeClr val="lt1"/>
@@ -8468,6 +8478,8 @@
               <a:buClr>
                 <a:schemeClr val="lt1"/>
               </a:buClr>
+              <a:buSzPts val="1100"/>
+              <a:buChar char="●"/>
               <a:defRPr>
                 <a:solidFill>
                   <a:schemeClr val="lt1"/>
@@ -8481,6 +8493,8 @@
               <a:buClr>
                 <a:schemeClr val="lt1"/>
               </a:buClr>
+              <a:buSzPts val="1100"/>
+              <a:buChar char="○"/>
               <a:defRPr>
                 <a:solidFill>
                   <a:schemeClr val="lt1"/>
@@ -8494,6 +8508,8 @@
               <a:buClr>
                 <a:schemeClr val="lt1"/>
               </a:buClr>
+              <a:buSzPts val="1100"/>
+              <a:buChar char="■"/>
               <a:defRPr>
                 <a:solidFill>
                   <a:schemeClr val="lt1"/>
@@ -8507,6 +8523,8 @@
               <a:buClr>
                 <a:schemeClr val="lt1"/>
               </a:buClr>
+              <a:buSzPts val="1100"/>
+              <a:buChar char="●"/>
               <a:defRPr>
                 <a:solidFill>
                   <a:schemeClr val="lt1"/>
@@ -8520,6 +8538,8 @@
               <a:buClr>
                 <a:schemeClr val="lt1"/>
               </a:buClr>
+              <a:buSzPts val="1100"/>
+              <a:buChar char="○"/>
               <a:defRPr>
                 <a:solidFill>
                   <a:schemeClr val="lt1"/>
@@ -8533,6 +8553,8 @@
               <a:buClr>
                 <a:schemeClr val="lt1"/>
               </a:buClr>
+              <a:buSzPts val="1100"/>
+              <a:buChar char="■"/>
               <a:defRPr>
                 <a:solidFill>
                   <a:schemeClr val="lt1"/>
@@ -9873,7 +9895,8 @@
               <a:buClr>
                 <a:schemeClr val="lt1"/>
               </a:buClr>
-              <a:buSzPct val="100000"/>
+              <a:buSzPts val="3600"/>
+              <a:buNone/>
               <a:defRPr sz="3600">
                 <a:solidFill>
                   <a:schemeClr val="lt1"/>
@@ -9887,7 +9910,8 @@
               <a:buClr>
                 <a:schemeClr val="lt1"/>
               </a:buClr>
-              <a:buSzPct val="100000"/>
+              <a:buSzPts val="3600"/>
+              <a:buNone/>
               <a:defRPr sz="3600">
                 <a:solidFill>
                   <a:schemeClr val="lt1"/>
@@ -9901,7 +9925,8 @@
               <a:buClr>
                 <a:schemeClr val="lt1"/>
               </a:buClr>
-              <a:buSzPct val="100000"/>
+              <a:buSzPts val="3600"/>
+              <a:buNone/>
               <a:defRPr sz="3600">
                 <a:solidFill>
                   <a:schemeClr val="lt1"/>
@@ -9915,7 +9940,8 @@
               <a:buClr>
                 <a:schemeClr val="lt1"/>
               </a:buClr>
-              <a:buSzPct val="100000"/>
+              <a:buSzPts val="3600"/>
+              <a:buNone/>
               <a:defRPr sz="3600">
                 <a:solidFill>
                   <a:schemeClr val="lt1"/>
@@ -9929,7 +9955,8 @@
               <a:buClr>
                 <a:schemeClr val="lt1"/>
               </a:buClr>
-              <a:buSzPct val="100000"/>
+              <a:buSzPts val="3600"/>
+              <a:buNone/>
               <a:defRPr sz="3600">
                 <a:solidFill>
                   <a:schemeClr val="lt1"/>
@@ -9943,7 +9970,8 @@
               <a:buClr>
                 <a:schemeClr val="lt1"/>
               </a:buClr>
-              <a:buSzPct val="100000"/>
+              <a:buSzPts val="3600"/>
+              <a:buNone/>
               <a:defRPr sz="3600">
                 <a:solidFill>
                   <a:schemeClr val="lt1"/>
@@ -9957,7 +9985,8 @@
               <a:buClr>
                 <a:schemeClr val="lt1"/>
               </a:buClr>
-              <a:buSzPct val="100000"/>
+              <a:buSzPts val="3600"/>
+              <a:buNone/>
               <a:defRPr sz="3600">
                 <a:solidFill>
                   <a:schemeClr val="lt1"/>
@@ -9971,7 +10000,8 @@
               <a:buClr>
                 <a:schemeClr val="lt1"/>
               </a:buClr>
-              <a:buSzPct val="100000"/>
+              <a:buSzPts val="3600"/>
+              <a:buNone/>
               <a:defRPr sz="3600">
                 <a:solidFill>
                   <a:schemeClr val="lt1"/>
@@ -9985,7 +10015,8 @@
               <a:buClr>
                 <a:schemeClr val="lt1"/>
               </a:buClr>
-              <a:buSzPct val="100000"/>
+              <a:buSzPts val="3600"/>
+              <a:buNone/>
               <a:defRPr sz="3600">
                 <a:solidFill>
                   <a:schemeClr val="lt1"/>
@@ -10190,54 +10221,72 @@
               <a:spcBef>
                 <a:spcPts val="0"/>
               </a:spcBef>
+              <a:buSzPts val="2800"/>
+              <a:buNone/>
               <a:defRPr/>
             </a:lvl1pPr>
             <a:lvl2pPr lvl="1">
               <a:spcBef>
                 <a:spcPts val="0"/>
               </a:spcBef>
+              <a:buSzPts val="2800"/>
+              <a:buNone/>
               <a:defRPr/>
             </a:lvl2pPr>
             <a:lvl3pPr lvl="2">
               <a:spcBef>
                 <a:spcPts val="0"/>
               </a:spcBef>
+              <a:buSzPts val="2800"/>
+              <a:buNone/>
               <a:defRPr/>
             </a:lvl3pPr>
             <a:lvl4pPr lvl="3">
               <a:spcBef>
                 <a:spcPts val="0"/>
               </a:spcBef>
+              <a:buSzPts val="2800"/>
+              <a:buNone/>
               <a:defRPr/>
             </a:lvl4pPr>
             <a:lvl5pPr lvl="4">
               <a:spcBef>
                 <a:spcPts val="0"/>
               </a:spcBef>
+              <a:buSzPts val="2800"/>
+              <a:buNone/>
               <a:defRPr/>
             </a:lvl5pPr>
             <a:lvl6pPr lvl="5">
               <a:spcBef>
                 <a:spcPts val="0"/>
               </a:spcBef>
+              <a:buSzPts val="2800"/>
+              <a:buNone/>
               <a:defRPr/>
             </a:lvl6pPr>
             <a:lvl7pPr lvl="6">
               <a:spcBef>
                 <a:spcPts val="0"/>
               </a:spcBef>
+              <a:buSzPts val="2800"/>
+              <a:buNone/>
               <a:defRPr/>
             </a:lvl7pPr>
             <a:lvl8pPr lvl="7">
               <a:spcBef>
                 <a:spcPts val="0"/>
               </a:spcBef>
+              <a:buSzPts val="2800"/>
+              <a:buNone/>
               <a:defRPr/>
             </a:lvl8pPr>
             <a:lvl9pPr lvl="8">
               <a:spcBef>
                 <a:spcPts val="0"/>
               </a:spcBef>
+              <a:buSzPts val="2800"/>
+              <a:buNone/>
               <a:defRPr/>
             </a:lvl9pPr>
           </a:lstStyle>
@@ -10268,54 +10317,72 @@
               <a:spcBef>
                 <a:spcPts val="0"/>
               </a:spcBef>
+              <a:buSzPts val="1300"/>
+              <a:buChar char="●"/>
               <a:defRPr/>
             </a:lvl1pPr>
             <a:lvl2pPr lvl="1">
               <a:spcBef>
                 <a:spcPts val="0"/>
               </a:spcBef>
+              <a:buSzPts val="1100"/>
+              <a:buChar char="○"/>
               <a:defRPr/>
             </a:lvl2pPr>
             <a:lvl3pPr lvl="2">
               <a:spcBef>
                 <a:spcPts val="0"/>
               </a:spcBef>
+              <a:buSzPts val="1100"/>
+              <a:buChar char="■"/>
               <a:defRPr/>
             </a:lvl3pPr>
             <a:lvl4pPr lvl="3">
               <a:spcBef>
                 <a:spcPts val="0"/>
               </a:spcBef>
+              <a:buSzPts val="1100"/>
+              <a:buChar char="●"/>
               <a:defRPr/>
             </a:lvl4pPr>
             <a:lvl5pPr lvl="4">
               <a:spcBef>
                 <a:spcPts val="0"/>
               </a:spcBef>
+              <a:buSzPts val="1100"/>
+              <a:buChar char="○"/>
               <a:defRPr/>
             </a:lvl5pPr>
             <a:lvl6pPr lvl="5">
               <a:spcBef>
                 <a:spcPts val="0"/>
               </a:spcBef>
+              <a:buSzPts val="1100"/>
+              <a:buChar char="■"/>
               <a:defRPr/>
             </a:lvl6pPr>
             <a:lvl7pPr lvl="6">
               <a:spcBef>
                 <a:spcPts val="0"/>
               </a:spcBef>
+              <a:buSzPts val="1100"/>
+              <a:buChar char="●"/>
               <a:defRPr/>
             </a:lvl7pPr>
             <a:lvl8pPr lvl="7">
               <a:spcBef>
                 <a:spcPts val="0"/>
               </a:spcBef>
+              <a:buSzPts val="1100"/>
+              <a:buChar char="○"/>
               <a:defRPr/>
             </a:lvl8pPr>
             <a:lvl9pPr lvl="8">
               <a:spcBef>
                 <a:spcPts val="0"/>
               </a:spcBef>
+              <a:buSzPts val="1100"/>
+              <a:buChar char="■"/>
               <a:defRPr/>
             </a:lvl9pPr>
           </a:lstStyle>
@@ -10512,54 +10579,72 @@
               <a:spcBef>
                 <a:spcPts val="0"/>
               </a:spcBef>
+              <a:buSzPts val="2800"/>
+              <a:buNone/>
               <a:defRPr/>
             </a:lvl1pPr>
             <a:lvl2pPr lvl="1">
               <a:spcBef>
                 <a:spcPts val="0"/>
               </a:spcBef>
+              <a:buSzPts val="2800"/>
+              <a:buNone/>
               <a:defRPr/>
             </a:lvl2pPr>
             <a:lvl3pPr lvl="2">
               <a:spcBef>
                 <a:spcPts val="0"/>
               </a:spcBef>
+              <a:buSzPts val="2800"/>
+              <a:buNone/>
               <a:defRPr/>
             </a:lvl3pPr>
             <a:lvl4pPr lvl="3">
               <a:spcBef>
                 <a:spcPts val="0"/>
               </a:spcBef>
+              <a:buSzPts val="2800"/>
+              <a:buNone/>
               <a:defRPr/>
             </a:lvl4pPr>
             <a:lvl5pPr lvl="4">
               <a:spcBef>
                 <a:spcPts val="0"/>
               </a:spcBef>
+              <a:buSzPts val="2800"/>
+              <a:buNone/>
               <a:defRPr/>
             </a:lvl5pPr>
             <a:lvl6pPr lvl="5">
               <a:spcBef>
                 <a:spcPts val="0"/>
               </a:spcBef>
+              <a:buSzPts val="2800"/>
+              <a:buNone/>
               <a:defRPr/>
             </a:lvl6pPr>
             <a:lvl7pPr lvl="6">
               <a:spcBef>
                 <a:spcPts val="0"/>
               </a:spcBef>
+              <a:buSzPts val="2800"/>
+              <a:buNone/>
               <a:defRPr/>
             </a:lvl7pPr>
             <a:lvl8pPr lvl="7">
               <a:spcBef>
                 <a:spcPts val="0"/>
               </a:spcBef>
+              <a:buSzPts val="2800"/>
+              <a:buNone/>
               <a:defRPr/>
             </a:lvl8pPr>
             <a:lvl9pPr lvl="8">
               <a:spcBef>
                 <a:spcPts val="0"/>
               </a:spcBef>
+              <a:buSzPts val="2800"/>
+              <a:buNone/>
               <a:defRPr/>
             </a:lvl9pPr>
           </a:lstStyle>
@@ -10590,54 +10675,72 @@
               <a:spcBef>
                 <a:spcPts val="0"/>
               </a:spcBef>
+              <a:buSzPts val="1300"/>
+              <a:buChar char="●"/>
               <a:defRPr/>
             </a:lvl1pPr>
             <a:lvl2pPr lvl="1">
               <a:spcBef>
                 <a:spcPts val="0"/>
               </a:spcBef>
+              <a:buSzPts val="1100"/>
+              <a:buChar char="○"/>
               <a:defRPr/>
             </a:lvl2pPr>
             <a:lvl3pPr lvl="2">
               <a:spcBef>
                 <a:spcPts val="0"/>
               </a:spcBef>
+              <a:buSzPts val="1100"/>
+              <a:buChar char="■"/>
               <a:defRPr/>
             </a:lvl3pPr>
             <a:lvl4pPr lvl="3">
               <a:spcBef>
                 <a:spcPts val="0"/>
               </a:spcBef>
+              <a:buSzPts val="1100"/>
+              <a:buChar char="●"/>
               <a:defRPr/>
             </a:lvl4pPr>
             <a:lvl5pPr lvl="4">
               <a:spcBef>
                 <a:spcPts val="0"/>
               </a:spcBef>
+              <a:buSzPts val="1100"/>
+              <a:buChar char="○"/>
               <a:defRPr/>
             </a:lvl5pPr>
             <a:lvl6pPr lvl="5">
               <a:spcBef>
                 <a:spcPts val="0"/>
               </a:spcBef>
+              <a:buSzPts val="1100"/>
+              <a:buChar char="■"/>
               <a:defRPr/>
             </a:lvl6pPr>
             <a:lvl7pPr lvl="6">
               <a:spcBef>
                 <a:spcPts val="0"/>
               </a:spcBef>
+              <a:buSzPts val="1100"/>
+              <a:buChar char="●"/>
               <a:defRPr/>
             </a:lvl7pPr>
             <a:lvl8pPr lvl="7">
               <a:spcBef>
                 <a:spcPts val="0"/>
               </a:spcBef>
+              <a:buSzPts val="1100"/>
+              <a:buChar char="○"/>
               <a:defRPr/>
             </a:lvl8pPr>
             <a:lvl9pPr lvl="8">
               <a:spcBef>
                 <a:spcPts val="0"/>
               </a:spcBef>
+              <a:buSzPts val="1100"/>
+              <a:buChar char="■"/>
               <a:defRPr/>
             </a:lvl9pPr>
           </a:lstStyle>
@@ -10668,54 +10771,72 @@
               <a:spcBef>
                 <a:spcPts val="0"/>
               </a:spcBef>
+              <a:buSzPts val="1300"/>
+              <a:buChar char="●"/>
               <a:defRPr/>
             </a:lvl1pPr>
             <a:lvl2pPr lvl="1">
               <a:spcBef>
                 <a:spcPts val="0"/>
               </a:spcBef>
+              <a:buSzPts val="1100"/>
+              <a:buChar char="○"/>
               <a:defRPr/>
             </a:lvl2pPr>
             <a:lvl3pPr lvl="2">
               <a:spcBef>
                 <a:spcPts val="0"/>
               </a:spcBef>
+              <a:buSzPts val="1100"/>
+              <a:buChar char="■"/>
               <a:defRPr/>
             </a:lvl3pPr>
             <a:lvl4pPr lvl="3">
               <a:spcBef>
                 <a:spcPts val="0"/>
               </a:spcBef>
+              <a:buSzPts val="1100"/>
+              <a:buChar char="●"/>
               <a:defRPr/>
             </a:lvl4pPr>
             <a:lvl5pPr lvl="4">
               <a:spcBef>
                 <a:spcPts val="0"/>
               </a:spcBef>
+              <a:buSzPts val="1100"/>
+              <a:buChar char="○"/>
               <a:defRPr/>
             </a:lvl5pPr>
             <a:lvl6pPr lvl="5">
               <a:spcBef>
                 <a:spcPts val="0"/>
               </a:spcBef>
+              <a:buSzPts val="1100"/>
+              <a:buChar char="■"/>
               <a:defRPr/>
             </a:lvl6pPr>
             <a:lvl7pPr lvl="6">
               <a:spcBef>
                 <a:spcPts val="0"/>
               </a:spcBef>
+              <a:buSzPts val="1100"/>
+              <a:buChar char="●"/>
               <a:defRPr/>
             </a:lvl7pPr>
             <a:lvl8pPr lvl="7">
               <a:spcBef>
                 <a:spcPts val="0"/>
               </a:spcBef>
+              <a:buSzPts val="1100"/>
+              <a:buChar char="○"/>
               <a:defRPr/>
             </a:lvl8pPr>
             <a:lvl9pPr lvl="8">
               <a:spcBef>
                 <a:spcPts val="0"/>
               </a:spcBef>
+              <a:buSzPts val="1100"/>
+              <a:buChar char="■"/>
               <a:defRPr/>
             </a:lvl9pPr>
           </a:lstStyle>
@@ -10912,54 +11033,72 @@
               <a:spcBef>
                 <a:spcPts val="0"/>
               </a:spcBef>
+              <a:buSzPts val="2800"/>
+              <a:buNone/>
               <a:defRPr/>
             </a:lvl1pPr>
             <a:lvl2pPr lvl="1">
               <a:spcBef>
                 <a:spcPts val="0"/>
               </a:spcBef>
+              <a:buSzPts val="2800"/>
+              <a:buNone/>
               <a:defRPr/>
             </a:lvl2pPr>
             <a:lvl3pPr lvl="2">
               <a:spcBef>
                 <a:spcPts val="0"/>
               </a:spcBef>
+              <a:buSzPts val="2800"/>
+              <a:buNone/>
               <a:defRPr/>
             </a:lvl3pPr>
             <a:lvl4pPr lvl="3">
               <a:spcBef>
                 <a:spcPts val="0"/>
               </a:spcBef>
+              <a:buSzPts val="2800"/>
+              <a:buNone/>
               <a:defRPr/>
             </a:lvl4pPr>
             <a:lvl5pPr lvl="4">
               <a:spcBef>
                 <a:spcPts val="0"/>
               </a:spcBef>
+              <a:buSzPts val="2800"/>
+              <a:buNone/>
               <a:defRPr/>
             </a:lvl5pPr>
             <a:lvl6pPr lvl="5">
               <a:spcBef>
                 <a:spcPts val="0"/>
               </a:spcBef>
+              <a:buSzPts val="2800"/>
+              <a:buNone/>
               <a:defRPr/>
             </a:lvl6pPr>
             <a:lvl7pPr lvl="6">
               <a:spcBef>
                 <a:spcPts val="0"/>
               </a:spcBef>
+              <a:buSzPts val="2800"/>
+              <a:buNone/>
               <a:defRPr/>
             </a:lvl7pPr>
             <a:lvl8pPr lvl="7">
               <a:spcBef>
                 <a:spcPts val="0"/>
               </a:spcBef>
+              <a:buSzPts val="2800"/>
+              <a:buNone/>
               <a:defRPr/>
             </a:lvl8pPr>
             <a:lvl9pPr lvl="8">
               <a:spcBef>
                 <a:spcPts val="0"/>
               </a:spcBef>
+              <a:buSzPts val="2800"/>
+              <a:buNone/>
               <a:defRPr/>
             </a:lvl9pPr>
           </a:lstStyle>
@@ -11156,54 +11295,72 @@
               <a:spcBef>
                 <a:spcPts val="0"/>
               </a:spcBef>
+              <a:buSzPts val="2800"/>
+              <a:buNone/>
               <a:defRPr/>
             </a:lvl1pPr>
             <a:lvl2pPr lvl="1">
               <a:spcBef>
                 <a:spcPts val="0"/>
               </a:spcBef>
+              <a:buSzPts val="2800"/>
+              <a:buNone/>
               <a:defRPr/>
             </a:lvl2pPr>
             <a:lvl3pPr lvl="2">
               <a:spcBef>
                 <a:spcPts val="0"/>
               </a:spcBef>
+              <a:buSzPts val="2800"/>
+              <a:buNone/>
               <a:defRPr/>
             </a:lvl3pPr>
             <a:lvl4pPr lvl="3">
               <a:spcBef>
                 <a:spcPts val="0"/>
               </a:spcBef>
+              <a:buSzPts val="2800"/>
+              <a:buNone/>
               <a:defRPr/>
             </a:lvl4pPr>
             <a:lvl5pPr lvl="4">
               <a:spcBef>
                 <a:spcPts val="0"/>
               </a:spcBef>
+              <a:buSzPts val="2800"/>
+              <a:buNone/>
               <a:defRPr/>
             </a:lvl5pPr>
             <a:lvl6pPr lvl="5">
               <a:spcBef>
                 <a:spcPts val="0"/>
               </a:spcBef>
+              <a:buSzPts val="2800"/>
+              <a:buNone/>
               <a:defRPr/>
             </a:lvl6pPr>
             <a:lvl7pPr lvl="6">
               <a:spcBef>
                 <a:spcPts val="0"/>
               </a:spcBef>
+              <a:buSzPts val="2800"/>
+              <a:buNone/>
               <a:defRPr/>
             </a:lvl7pPr>
             <a:lvl8pPr lvl="7">
               <a:spcBef>
                 <a:spcPts val="0"/>
               </a:spcBef>
+              <a:buSzPts val="2800"/>
+              <a:buNone/>
               <a:defRPr/>
             </a:lvl8pPr>
             <a:lvl9pPr lvl="8">
               <a:spcBef>
                 <a:spcPts val="0"/>
               </a:spcBef>
+              <a:buSzPts val="2800"/>
+              <a:buNone/>
               <a:defRPr/>
             </a:lvl9pPr>
           </a:lstStyle>
@@ -11234,54 +11391,72 @@
               <a:spcBef>
                 <a:spcPts val="0"/>
               </a:spcBef>
+              <a:buSzPts val="1300"/>
+              <a:buChar char="●"/>
               <a:defRPr/>
             </a:lvl1pPr>
             <a:lvl2pPr lvl="1">
               <a:spcBef>
                 <a:spcPts val="0"/>
               </a:spcBef>
+              <a:buSzPts val="1100"/>
+              <a:buChar char="○"/>
               <a:defRPr/>
             </a:lvl2pPr>
             <a:lvl3pPr lvl="2">
               <a:spcBef>
                 <a:spcPts val="0"/>
               </a:spcBef>
+              <a:buSzPts val="1100"/>
+              <a:buChar char="■"/>
               <a:defRPr/>
             </a:lvl3pPr>
             <a:lvl4pPr lvl="3">
               <a:spcBef>
                 <a:spcPts val="0"/>
               </a:spcBef>
+              <a:buSzPts val="1100"/>
+              <a:buChar char="●"/>
               <a:defRPr/>
             </a:lvl4pPr>
             <a:lvl5pPr lvl="4">
               <a:spcBef>
                 <a:spcPts val="0"/>
               </a:spcBef>
+              <a:buSzPts val="1100"/>
+              <a:buChar char="○"/>
               <a:defRPr/>
             </a:lvl5pPr>
             <a:lvl6pPr lvl="5">
               <a:spcBef>
                 <a:spcPts val="0"/>
               </a:spcBef>
+              <a:buSzPts val="1100"/>
+              <a:buChar char="■"/>
               <a:defRPr/>
             </a:lvl6pPr>
             <a:lvl7pPr lvl="6">
               <a:spcBef>
                 <a:spcPts val="0"/>
               </a:spcBef>
+              <a:buSzPts val="1100"/>
+              <a:buChar char="●"/>
               <a:defRPr/>
             </a:lvl7pPr>
             <a:lvl8pPr lvl="7">
               <a:spcBef>
                 <a:spcPts val="0"/>
               </a:spcBef>
+              <a:buSzPts val="1100"/>
+              <a:buChar char="○"/>
               <a:defRPr/>
             </a:lvl8pPr>
             <a:lvl9pPr lvl="8">
               <a:spcBef>
                 <a:spcPts val="0"/>
               </a:spcBef>
+              <a:buSzPts val="1100"/>
+              <a:buChar char="■"/>
               <a:defRPr/>
             </a:lvl9pPr>
           </a:lstStyle>
@@ -11788,7 +11963,8 @@
               <a:buClr>
                 <a:schemeClr val="lt1"/>
               </a:buClr>
-              <a:buSzPct val="100000"/>
+              <a:buSzPts val="3600"/>
+              <a:buNone/>
               <a:defRPr sz="3600">
                 <a:solidFill>
                   <a:schemeClr val="lt1"/>
@@ -11802,7 +11978,8 @@
               <a:buClr>
                 <a:schemeClr val="lt1"/>
               </a:buClr>
-              <a:buSzPct val="100000"/>
+              <a:buSzPts val="3600"/>
+              <a:buNone/>
               <a:defRPr sz="3600">
                 <a:solidFill>
                   <a:schemeClr val="lt1"/>
@@ -11816,7 +11993,8 @@
               <a:buClr>
                 <a:schemeClr val="lt1"/>
               </a:buClr>
-              <a:buSzPct val="100000"/>
+              <a:buSzPts val="3600"/>
+              <a:buNone/>
               <a:defRPr sz="3600">
                 <a:solidFill>
                   <a:schemeClr val="lt1"/>
@@ -11830,7 +12008,8 @@
               <a:buClr>
                 <a:schemeClr val="lt1"/>
               </a:buClr>
-              <a:buSzPct val="100000"/>
+              <a:buSzPts val="3600"/>
+              <a:buNone/>
               <a:defRPr sz="3600">
                 <a:solidFill>
                   <a:schemeClr val="lt1"/>
@@ -11844,7 +12023,8 @@
               <a:buClr>
                 <a:schemeClr val="lt1"/>
               </a:buClr>
-              <a:buSzPct val="100000"/>
+              <a:buSzPts val="3600"/>
+              <a:buNone/>
               <a:defRPr sz="3600">
                 <a:solidFill>
                   <a:schemeClr val="lt1"/>
@@ -11858,7 +12038,8 @@
               <a:buClr>
                 <a:schemeClr val="lt1"/>
               </a:buClr>
-              <a:buSzPct val="100000"/>
+              <a:buSzPts val="3600"/>
+              <a:buNone/>
               <a:defRPr sz="3600">
                 <a:solidFill>
                   <a:schemeClr val="lt1"/>
@@ -11872,7 +12053,8 @@
               <a:buClr>
                 <a:schemeClr val="lt1"/>
               </a:buClr>
-              <a:buSzPct val="100000"/>
+              <a:buSzPts val="3600"/>
+              <a:buNone/>
               <a:defRPr sz="3600">
                 <a:solidFill>
                   <a:schemeClr val="lt1"/>
@@ -11886,7 +12068,8 @@
               <a:buClr>
                 <a:schemeClr val="lt1"/>
               </a:buClr>
-              <a:buSzPct val="100000"/>
+              <a:buSzPts val="3600"/>
+              <a:buNone/>
               <a:defRPr sz="3600">
                 <a:solidFill>
                   <a:schemeClr val="lt1"/>
@@ -11900,7 +12083,8 @@
               <a:buClr>
                 <a:schemeClr val="lt1"/>
               </a:buClr>
-              <a:buSzPct val="100000"/>
+              <a:buSzPts val="3600"/>
+              <a:buNone/>
               <a:defRPr sz="3600">
                 <a:solidFill>
                   <a:schemeClr val="lt1"/>
@@ -12114,54 +12298,72 @@
               <a:spcBef>
                 <a:spcPts val="0"/>
               </a:spcBef>
+              <a:buSzPts val="2800"/>
+              <a:buNone/>
               <a:defRPr/>
             </a:lvl1pPr>
             <a:lvl2pPr lvl="1">
               <a:spcBef>
                 <a:spcPts val="0"/>
               </a:spcBef>
+              <a:buSzPts val="2800"/>
+              <a:buNone/>
               <a:defRPr/>
             </a:lvl2pPr>
             <a:lvl3pPr lvl="2">
               <a:spcBef>
                 <a:spcPts val="0"/>
               </a:spcBef>
+              <a:buSzPts val="2800"/>
+              <a:buNone/>
               <a:defRPr/>
             </a:lvl3pPr>
             <a:lvl4pPr lvl="3">
               <a:spcBef>
                 <a:spcPts val="0"/>
               </a:spcBef>
+              <a:buSzPts val="2800"/>
+              <a:buNone/>
               <a:defRPr/>
             </a:lvl4pPr>
             <a:lvl5pPr lvl="4">
               <a:spcBef>
                 <a:spcPts val="0"/>
               </a:spcBef>
+              <a:buSzPts val="2800"/>
+              <a:buNone/>
               <a:defRPr/>
             </a:lvl5pPr>
             <a:lvl6pPr lvl="5">
               <a:spcBef>
                 <a:spcPts val="0"/>
               </a:spcBef>
+              <a:buSzPts val="2800"/>
+              <a:buNone/>
               <a:defRPr/>
             </a:lvl6pPr>
             <a:lvl7pPr lvl="6">
               <a:spcBef>
                 <a:spcPts val="0"/>
               </a:spcBef>
+              <a:buSzPts val="2800"/>
+              <a:buNone/>
               <a:defRPr/>
             </a:lvl7pPr>
             <a:lvl8pPr lvl="7">
               <a:spcBef>
                 <a:spcPts val="0"/>
               </a:spcBef>
+              <a:buSzPts val="2800"/>
+              <a:buNone/>
               <a:defRPr/>
             </a:lvl8pPr>
             <a:lvl9pPr lvl="8">
               <a:spcBef>
                 <a:spcPts val="0"/>
               </a:spcBef>
+              <a:buSzPts val="2800"/>
+              <a:buNone/>
               <a:defRPr/>
             </a:lvl9pPr>
           </a:lstStyle>
@@ -12207,7 +12409,7 @@
               <a:spcAft>
                 <a:spcPts val="0"/>
               </a:spcAft>
-              <a:buSzPct val="100000"/>
+              <a:buSzPts val="1600"/>
               <a:buNone/>
               <a:defRPr sz="1600"/>
             </a:lvl1pPr>
@@ -12221,7 +12423,7 @@
               <a:spcAft>
                 <a:spcPts val="0"/>
               </a:spcAft>
-              <a:buSzPct val="100000"/>
+              <a:buSzPts val="1600"/>
               <a:buNone/>
               <a:defRPr sz="1600"/>
             </a:lvl2pPr>
@@ -12235,7 +12437,7 @@
               <a:spcAft>
                 <a:spcPts val="0"/>
               </a:spcAft>
-              <a:buSzPct val="100000"/>
+              <a:buSzPts val="1600"/>
               <a:buNone/>
               <a:defRPr sz="1600"/>
             </a:lvl3pPr>
@@ -12249,7 +12451,7 @@
               <a:spcAft>
                 <a:spcPts val="0"/>
               </a:spcAft>
-              <a:buSzPct val="100000"/>
+              <a:buSzPts val="1600"/>
               <a:buNone/>
               <a:defRPr sz="1600"/>
             </a:lvl4pPr>
@@ -12263,7 +12465,7 @@
               <a:spcAft>
                 <a:spcPts val="0"/>
               </a:spcAft>
-              <a:buSzPct val="100000"/>
+              <a:buSzPts val="1600"/>
               <a:buNone/>
               <a:defRPr sz="1600"/>
             </a:lvl5pPr>
@@ -12277,7 +12479,7 @@
               <a:spcAft>
                 <a:spcPts val="0"/>
               </a:spcAft>
-              <a:buSzPct val="100000"/>
+              <a:buSzPts val="1600"/>
               <a:buNone/>
               <a:defRPr sz="1600"/>
             </a:lvl6pPr>
@@ -12291,7 +12493,7 @@
               <a:spcAft>
                 <a:spcPts val="0"/>
               </a:spcAft>
-              <a:buSzPct val="100000"/>
+              <a:buSzPts val="1600"/>
               <a:buNone/>
               <a:defRPr sz="1600"/>
             </a:lvl7pPr>
@@ -12305,7 +12507,7 @@
               <a:spcAft>
                 <a:spcPts val="0"/>
               </a:spcAft>
-              <a:buSzPct val="100000"/>
+              <a:buSzPts val="1600"/>
               <a:buNone/>
               <a:defRPr sz="1600"/>
             </a:lvl8pPr>
@@ -12319,7 +12521,7 @@
               <a:spcAft>
                 <a:spcPts val="0"/>
               </a:spcAft>
-              <a:buSzPct val="100000"/>
+              <a:buSzPts val="1600"/>
               <a:buNone/>
               <a:defRPr sz="1600"/>
             </a:lvl9pPr>
@@ -12360,54 +12562,72 @@
               <a:spcBef>
                 <a:spcPts val="0"/>
               </a:spcBef>
+              <a:buSzPts val="1300"/>
+              <a:buChar char="●"/>
               <a:defRPr/>
             </a:lvl1pPr>
             <a:lvl2pPr lvl="1">
               <a:spcBef>
                 <a:spcPts val="0"/>
               </a:spcBef>
+              <a:buSzPts val="1100"/>
+              <a:buChar char="○"/>
               <a:defRPr/>
             </a:lvl2pPr>
             <a:lvl3pPr lvl="2">
               <a:spcBef>
                 <a:spcPts val="0"/>
               </a:spcBef>
+              <a:buSzPts val="1100"/>
+              <a:buChar char="■"/>
               <a:defRPr/>
             </a:lvl3pPr>
             <a:lvl4pPr lvl="3">
               <a:spcBef>
                 <a:spcPts val="0"/>
               </a:spcBef>
+              <a:buSzPts val="1100"/>
+              <a:buChar char="●"/>
               <a:defRPr/>
             </a:lvl4pPr>
             <a:lvl5pPr lvl="4">
               <a:spcBef>
                 <a:spcPts val="0"/>
               </a:spcBef>
+              <a:buSzPts val="1100"/>
+              <a:buChar char="○"/>
               <a:defRPr/>
             </a:lvl5pPr>
             <a:lvl6pPr lvl="5">
               <a:spcBef>
                 <a:spcPts val="0"/>
               </a:spcBef>
+              <a:buSzPts val="1100"/>
+              <a:buChar char="■"/>
               <a:defRPr/>
             </a:lvl6pPr>
             <a:lvl7pPr lvl="6">
               <a:spcBef>
                 <a:spcPts val="0"/>
               </a:spcBef>
+              <a:buSzPts val="1100"/>
+              <a:buChar char="●"/>
               <a:defRPr/>
             </a:lvl7pPr>
             <a:lvl8pPr lvl="7">
               <a:spcBef>
                 <a:spcPts val="0"/>
               </a:spcBef>
+              <a:buSzPts val="1100"/>
+              <a:buChar char="○"/>
               <a:defRPr/>
             </a:lvl8pPr>
             <a:lvl9pPr lvl="8">
               <a:spcBef>
                 <a:spcPts val="0"/>
               </a:spcBef>
+              <a:buSzPts val="1100"/>
+              <a:buChar char="■"/>
               <a:defRPr/>
             </a:lvl9pPr>
           </a:lstStyle>
@@ -12610,6 +12830,7 @@
               <a:spcAft>
                 <a:spcPts val="0"/>
               </a:spcAft>
+              <a:buSzPts val="1300"/>
               <a:buNone/>
               <a:defRPr/>
             </a:lvl1pPr>
@@ -12716,7 +12937,7 @@
               <a:buClr>
                 <a:schemeClr val="dk2"/>
               </a:buClr>
-              <a:buSzPct val="100000"/>
+              <a:buSzPts val="2800"/>
               <a:buFont typeface="Maven Pro"/>
               <a:buNone/>
               <a:defRPr b="1" sz="2800">
@@ -12736,7 +12957,7 @@
               <a:buClr>
                 <a:schemeClr val="dk2"/>
               </a:buClr>
-              <a:buSzPct val="100000"/>
+              <a:buSzPts val="2800"/>
               <a:buFont typeface="Maven Pro"/>
               <a:buNone/>
               <a:defRPr b="1" sz="2800">
@@ -12756,7 +12977,7 @@
               <a:buClr>
                 <a:schemeClr val="dk2"/>
               </a:buClr>
-              <a:buSzPct val="100000"/>
+              <a:buSzPts val="2800"/>
               <a:buFont typeface="Maven Pro"/>
               <a:buNone/>
               <a:defRPr b="1" sz="2800">
@@ -12776,7 +12997,7 @@
               <a:buClr>
                 <a:schemeClr val="dk2"/>
               </a:buClr>
-              <a:buSzPct val="100000"/>
+              <a:buSzPts val="2800"/>
               <a:buFont typeface="Maven Pro"/>
               <a:buNone/>
               <a:defRPr b="1" sz="2800">
@@ -12796,7 +13017,7 @@
               <a:buClr>
                 <a:schemeClr val="dk2"/>
               </a:buClr>
-              <a:buSzPct val="100000"/>
+              <a:buSzPts val="2800"/>
               <a:buFont typeface="Maven Pro"/>
               <a:buNone/>
               <a:defRPr b="1" sz="2800">
@@ -12816,7 +13037,7 @@
               <a:buClr>
                 <a:schemeClr val="dk2"/>
               </a:buClr>
-              <a:buSzPct val="100000"/>
+              <a:buSzPts val="2800"/>
               <a:buFont typeface="Maven Pro"/>
               <a:buNone/>
               <a:defRPr b="1" sz="2800">
@@ -12836,7 +13057,7 @@
               <a:buClr>
                 <a:schemeClr val="dk2"/>
               </a:buClr>
-              <a:buSzPct val="100000"/>
+              <a:buSzPts val="2800"/>
               <a:buFont typeface="Maven Pro"/>
               <a:buNone/>
               <a:defRPr b="1" sz="2800">
@@ -12856,7 +13077,7 @@
               <a:buClr>
                 <a:schemeClr val="dk2"/>
               </a:buClr>
-              <a:buSzPct val="100000"/>
+              <a:buSzPts val="2800"/>
               <a:buFont typeface="Maven Pro"/>
               <a:buNone/>
               <a:defRPr b="1" sz="2800">
@@ -12876,7 +13097,7 @@
               <a:buClr>
                 <a:schemeClr val="dk2"/>
               </a:buClr>
-              <a:buSzPct val="100000"/>
+              <a:buSzPts val="2800"/>
               <a:buFont typeface="Maven Pro"/>
               <a:buNone/>
               <a:defRPr b="1" sz="2800">
@@ -12930,7 +13151,7 @@
               <a:buClr>
                 <a:schemeClr val="dk2"/>
               </a:buClr>
-              <a:buSzPct val="100000"/>
+              <a:buSzPts val="1300"/>
               <a:buFont typeface="Nunito"/>
               <a:buChar char="●"/>
               <a:defRPr sz="1300">
@@ -12956,7 +13177,7 @@
               <a:buClr>
                 <a:schemeClr val="dk2"/>
               </a:buClr>
-              <a:buSzPct val="100000"/>
+              <a:buSzPts val="1100"/>
               <a:buFont typeface="Nunito"/>
               <a:buChar char="○"/>
               <a:defRPr sz="1100">
@@ -12982,7 +13203,7 @@
               <a:buClr>
                 <a:schemeClr val="dk2"/>
               </a:buClr>
-              <a:buSzPct val="100000"/>
+              <a:buSzPts val="1100"/>
               <a:buFont typeface="Nunito"/>
               <a:buChar char="■"/>
               <a:defRPr sz="1100">
@@ -13008,7 +13229,7 @@
               <a:buClr>
                 <a:schemeClr val="dk2"/>
               </a:buClr>
-              <a:buSzPct val="100000"/>
+              <a:buSzPts val="1100"/>
               <a:buFont typeface="Nunito"/>
               <a:buChar char="●"/>
               <a:defRPr sz="1100">
@@ -13034,7 +13255,7 @@
               <a:buClr>
                 <a:schemeClr val="dk2"/>
               </a:buClr>
-              <a:buSzPct val="100000"/>
+              <a:buSzPts val="1100"/>
               <a:buFont typeface="Nunito"/>
               <a:buChar char="○"/>
               <a:defRPr sz="1100">
@@ -13060,7 +13281,7 @@
               <a:buClr>
                 <a:schemeClr val="dk2"/>
               </a:buClr>
-              <a:buSzPct val="100000"/>
+              <a:buSzPts val="1100"/>
               <a:buFont typeface="Nunito"/>
               <a:buChar char="■"/>
               <a:defRPr sz="1100">
@@ -13086,7 +13307,7 @@
               <a:buClr>
                 <a:schemeClr val="dk2"/>
               </a:buClr>
-              <a:buSzPct val="100000"/>
+              <a:buSzPts val="1100"/>
               <a:buFont typeface="Nunito"/>
               <a:buChar char="●"/>
               <a:defRPr sz="1100">
@@ -13112,7 +13333,7 @@
               <a:buClr>
                 <a:schemeClr val="dk2"/>
               </a:buClr>
-              <a:buSzPct val="100000"/>
+              <a:buSzPts val="1100"/>
               <a:buFont typeface="Nunito"/>
               <a:buChar char="○"/>
               <a:defRPr sz="1100">
@@ -13138,7 +13359,7 @@
               <a:buClr>
                 <a:schemeClr val="dk2"/>
               </a:buClr>
-              <a:buSzPct val="100000"/>
+              <a:buSzPts val="1100"/>
               <a:buFont typeface="Nunito"/>
               <a:buChar char="■"/>
               <a:defRPr sz="1100">
@@ -15845,7 +16066,8 @@
               <a:spcBef>
                 <a:spcPts val="0"/>
               </a:spcBef>
-              <a:buSzPct val="100000"/>
+              <a:buSzPts val="1300"/>
+              <a:buChar char="●"/>
             </a:pPr>
             <a:r>
               <a:rPr lang="sl"/>
